--- a/terminology/Image-Source.pptx
+++ b/terminology/Image-Source.pptx
@@ -206,7 +206,7 @@
           <a:p>
             <a:fld id="{BEB2A2CE-FF9D-4999-808F-9409E590A58C}" type="datetimeFigureOut">
               <a:rPr lang="en-US" smtClean="0"/>
-              <a:t>8/26/2022</a:t>
+              <a:t>9/20/2022</a:t>
             </a:fld>
             <a:endParaRPr lang="en-US"/>
           </a:p>
@@ -620,7 +620,7 @@
           <a:p>
             <a:fld id="{7711E8AF-76FE-406B-93C1-ACC48771439D}" type="datetimeFigureOut">
               <a:rPr lang="en-US" smtClean="0"/>
-              <a:t>8/26/2022</a:t>
+              <a:t>9/20/2022</a:t>
             </a:fld>
             <a:endParaRPr lang="en-US"/>
           </a:p>
@@ -818,7 +818,7 @@
           <a:p>
             <a:fld id="{7711E8AF-76FE-406B-93C1-ACC48771439D}" type="datetimeFigureOut">
               <a:rPr lang="en-US" smtClean="0"/>
-              <a:t>8/26/2022</a:t>
+              <a:t>9/20/2022</a:t>
             </a:fld>
             <a:endParaRPr lang="en-US"/>
           </a:p>
@@ -1026,7 +1026,7 @@
           <a:p>
             <a:fld id="{7711E8AF-76FE-406B-93C1-ACC48771439D}" type="datetimeFigureOut">
               <a:rPr lang="en-US" smtClean="0"/>
-              <a:t>8/26/2022</a:t>
+              <a:t>9/20/2022</a:t>
             </a:fld>
             <a:endParaRPr lang="en-US"/>
           </a:p>
@@ -1224,7 +1224,7 @@
           <a:p>
             <a:fld id="{7711E8AF-76FE-406B-93C1-ACC48771439D}" type="datetimeFigureOut">
               <a:rPr lang="en-US" smtClean="0"/>
-              <a:t>8/26/2022</a:t>
+              <a:t>9/20/2022</a:t>
             </a:fld>
             <a:endParaRPr lang="en-US"/>
           </a:p>
@@ -1499,7 +1499,7 @@
           <a:p>
             <a:fld id="{7711E8AF-76FE-406B-93C1-ACC48771439D}" type="datetimeFigureOut">
               <a:rPr lang="en-US" smtClean="0"/>
-              <a:t>8/26/2022</a:t>
+              <a:t>9/20/2022</a:t>
             </a:fld>
             <a:endParaRPr lang="en-US"/>
           </a:p>
@@ -1764,7 +1764,7 @@
           <a:p>
             <a:fld id="{7711E8AF-76FE-406B-93C1-ACC48771439D}" type="datetimeFigureOut">
               <a:rPr lang="en-US" smtClean="0"/>
-              <a:t>8/26/2022</a:t>
+              <a:t>9/20/2022</a:t>
             </a:fld>
             <a:endParaRPr lang="en-US"/>
           </a:p>
@@ -2176,7 +2176,7 @@
           <a:p>
             <a:fld id="{7711E8AF-76FE-406B-93C1-ACC48771439D}" type="datetimeFigureOut">
               <a:rPr lang="en-US" smtClean="0"/>
-              <a:t>8/26/2022</a:t>
+              <a:t>9/20/2022</a:t>
             </a:fld>
             <a:endParaRPr lang="en-US"/>
           </a:p>
@@ -2317,7 +2317,7 @@
           <a:p>
             <a:fld id="{7711E8AF-76FE-406B-93C1-ACC48771439D}" type="datetimeFigureOut">
               <a:rPr lang="en-US" smtClean="0"/>
-              <a:t>8/26/2022</a:t>
+              <a:t>9/20/2022</a:t>
             </a:fld>
             <a:endParaRPr lang="en-US"/>
           </a:p>
@@ -2430,7 +2430,7 @@
           <a:p>
             <a:fld id="{7711E8AF-76FE-406B-93C1-ACC48771439D}" type="datetimeFigureOut">
               <a:rPr lang="en-US" smtClean="0"/>
-              <a:t>8/26/2022</a:t>
+              <a:t>9/20/2022</a:t>
             </a:fld>
             <a:endParaRPr lang="en-US"/>
           </a:p>
@@ -2741,7 +2741,7 @@
           <a:p>
             <a:fld id="{7711E8AF-76FE-406B-93C1-ACC48771439D}" type="datetimeFigureOut">
               <a:rPr lang="en-US" smtClean="0"/>
-              <a:t>8/26/2022</a:t>
+              <a:t>9/20/2022</a:t>
             </a:fld>
             <a:endParaRPr lang="en-US"/>
           </a:p>
@@ -3029,7 +3029,7 @@
           <a:p>
             <a:fld id="{7711E8AF-76FE-406B-93C1-ACC48771439D}" type="datetimeFigureOut">
               <a:rPr lang="en-US" smtClean="0"/>
-              <a:t>8/26/2022</a:t>
+              <a:t>9/20/2022</a:t>
             </a:fld>
             <a:endParaRPr lang="en-US"/>
           </a:p>
@@ -3270,7 +3270,7 @@
           <a:p>
             <a:fld id="{7711E8AF-76FE-406B-93C1-ACC48771439D}" type="datetimeFigureOut">
               <a:rPr lang="en-US" smtClean="0"/>
-              <a:t>8/26/2022</a:t>
+              <a:t>9/20/2022</a:t>
             </a:fld>
             <a:endParaRPr lang="en-US"/>
           </a:p>
@@ -5310,7 +5310,7 @@
         <p:spPr>
           <a:xfrm>
             <a:off x="354185" y="4945192"/>
-            <a:ext cx="1131514" cy="646331"/>
+            <a:ext cx="1131514" cy="830997"/>
           </a:xfrm>
           <a:prstGeom prst="rect">
             <a:avLst/>
@@ -5343,7 +5343,7 @@
                   <a:schemeClr val="lt1"/>
                 </a:solidFill>
               </a:rPr>
-              <a:t>Technologies</a:t>
+              <a:t>Example Technologies</a:t>
             </a:r>
           </a:p>
           <a:p>
@@ -9752,7 +9752,7 @@
                     <a:schemeClr val="dk1"/>
                   </a:solidFill>
                 </a:rPr>
-                <a:t>CCA, SEV, SEV-SNP, TDX </a:t>
+                <a:t>CCA, SEV-SNP, TDX </a:t>
               </a:r>
             </a:p>
           </p:txBody>
@@ -9809,7 +9809,7 @@
                     <a:schemeClr val="dk1"/>
                   </a:solidFill>
                 </a:rPr>
-                <a:t>CCA, SEV, SEV-SNP, TDX </a:t>
+                <a:t>CCA, SEV-SNP, TDX </a:t>
               </a:r>
             </a:p>
           </p:txBody>
@@ -13834,7 +13834,7 @@
         </p:nvSpPr>
         <p:spPr>
           <a:xfrm>
-            <a:off x="9753600" y="2171700"/>
+            <a:off x="9757410" y="2475562"/>
             <a:ext cx="2228850" cy="420038"/>
           </a:xfrm>
           <a:prstGeom prst="rect">
@@ -14070,7 +14070,7 @@
         </p:nvSpPr>
         <p:spPr>
           <a:xfrm>
-            <a:off x="9753600" y="2738672"/>
+            <a:off x="9757410" y="3042534"/>
             <a:ext cx="2228850" cy="420038"/>
           </a:xfrm>
           <a:prstGeom prst="rect">
@@ -14293,7 +14293,7 @@
         </p:nvSpPr>
         <p:spPr>
           <a:xfrm>
-            <a:off x="9753600" y="3305644"/>
+            <a:off x="9757410" y="3609506"/>
             <a:ext cx="2228850" cy="420038"/>
           </a:xfrm>
           <a:prstGeom prst="rect">
@@ -14516,7 +14516,7 @@
         </p:nvSpPr>
         <p:spPr>
           <a:xfrm>
-            <a:off x="9753600" y="3872616"/>
+            <a:off x="9757410" y="4176478"/>
             <a:ext cx="2228850" cy="420038"/>
           </a:xfrm>
           <a:prstGeom prst="rect">
@@ -14725,10 +14725,10 @@
       </p:sp>
       <p:sp>
         <p:nvSpPr>
-          <p:cNvPr id="97" name="Content Placeholder 2">
+          <p:cNvPr id="99" name="Content Placeholder 2">
             <a:extLst>
               <a:ext uri="{FF2B5EF4-FFF2-40B4-BE49-F238E27FC236}">
-                <a16:creationId xmlns:a16="http://schemas.microsoft.com/office/drawing/2014/main" id="{7B22FD81-26F1-2089-3D4E-A559E721B842}"/>
+                <a16:creationId xmlns:a16="http://schemas.microsoft.com/office/drawing/2014/main" id="{5768C30A-79FA-3622-B30B-751C1819B507}"/>
               </a:ext>
             </a:extLst>
           </p:cNvPr>
@@ -14739,7 +14739,7 @@
         </p:nvSpPr>
         <p:spPr>
           <a:xfrm>
-            <a:off x="9753600" y="4439588"/>
+            <a:off x="9753600" y="4743450"/>
             <a:ext cx="2228850" cy="420038"/>
           </a:xfrm>
           <a:prstGeom prst="rect">
@@ -14941,229 +14941,6 @@
                   <a:srgbClr val="0070C0"/>
                 </a:solidFill>
               </a:rPr>
-              <a:t>AMD SEV</a:t>
-            </a:r>
-          </a:p>
-        </p:txBody>
-      </p:sp>
-      <p:sp>
-        <p:nvSpPr>
-          <p:cNvPr id="99" name="Content Placeholder 2">
-            <a:extLst>
-              <a:ext uri="{FF2B5EF4-FFF2-40B4-BE49-F238E27FC236}">
-                <a16:creationId xmlns:a16="http://schemas.microsoft.com/office/drawing/2014/main" id="{5768C30A-79FA-3622-B30B-751C1819B507}"/>
-              </a:ext>
-            </a:extLst>
-          </p:cNvPr>
-          <p:cNvSpPr txBox="1">
-            <a:spLocks/>
-          </p:cNvSpPr>
-          <p:nvPr/>
-        </p:nvSpPr>
-        <p:spPr>
-          <a:xfrm>
-            <a:off x="9753600" y="5006558"/>
-            <a:ext cx="2228850" cy="420038"/>
-          </a:xfrm>
-          <a:prstGeom prst="rect">
-            <a:avLst/>
-          </a:prstGeom>
-        </p:spPr>
-        <p:style>
-          <a:lnRef idx="2">
-            <a:schemeClr val="accent3">
-              <a:shade val="50000"/>
-            </a:schemeClr>
-          </a:lnRef>
-          <a:fillRef idx="1">
-            <a:schemeClr val="accent3"/>
-          </a:fillRef>
-          <a:effectRef idx="0">
-            <a:schemeClr val="accent3"/>
-          </a:effectRef>
-          <a:fontRef idx="minor">
-            <a:schemeClr val="lt1"/>
-          </a:fontRef>
-        </p:style>
-        <p:txBody>
-          <a:bodyPr vert="horz" lIns="91440" tIns="45720" rIns="91440" bIns="45720" rtlCol="0">
-            <a:normAutofit fontScale="92500" lnSpcReduction="10000"/>
-          </a:bodyPr>
-          <a:lstStyle>
-            <a:lvl1pPr marL="228600" indent="-228600" algn="l" defTabSz="914400" rtl="0" eaLnBrk="1" latinLnBrk="0" hangingPunct="1">
-              <a:lnSpc>
-                <a:spcPct val="90000"/>
-              </a:lnSpc>
-              <a:spcBef>
-                <a:spcPts val="1000"/>
-              </a:spcBef>
-              <a:buFont typeface="Arial" panose="020B0604020202020204" pitchFamily="34" charset="0"/>
-              <a:buChar char="•"/>
-              <a:defRPr sz="2800" kern="1200">
-                <a:solidFill>
-                  <a:schemeClr val="lt1"/>
-                </a:solidFill>
-                <a:latin typeface="+mn-lt"/>
-                <a:ea typeface="+mn-ea"/>
-                <a:cs typeface="+mn-cs"/>
-              </a:defRPr>
-            </a:lvl1pPr>
-            <a:lvl2pPr marL="685800" indent="-228600" algn="l" defTabSz="914400" rtl="0" eaLnBrk="1" latinLnBrk="0" hangingPunct="1">
-              <a:lnSpc>
-                <a:spcPct val="90000"/>
-              </a:lnSpc>
-              <a:spcBef>
-                <a:spcPts val="500"/>
-              </a:spcBef>
-              <a:buFont typeface="Arial" panose="020B0604020202020204" pitchFamily="34" charset="0"/>
-              <a:buChar char="•"/>
-              <a:defRPr sz="2400" kern="1200">
-                <a:solidFill>
-                  <a:schemeClr val="lt1"/>
-                </a:solidFill>
-                <a:latin typeface="+mn-lt"/>
-                <a:ea typeface="+mn-ea"/>
-                <a:cs typeface="+mn-cs"/>
-              </a:defRPr>
-            </a:lvl2pPr>
-            <a:lvl3pPr marL="1143000" indent="-228600" algn="l" defTabSz="914400" rtl="0" eaLnBrk="1" latinLnBrk="0" hangingPunct="1">
-              <a:lnSpc>
-                <a:spcPct val="90000"/>
-              </a:lnSpc>
-              <a:spcBef>
-                <a:spcPts val="500"/>
-              </a:spcBef>
-              <a:buFont typeface="Arial" panose="020B0604020202020204" pitchFamily="34" charset="0"/>
-              <a:buChar char="•"/>
-              <a:defRPr sz="2000" kern="1200">
-                <a:solidFill>
-                  <a:schemeClr val="lt1"/>
-                </a:solidFill>
-                <a:latin typeface="+mn-lt"/>
-                <a:ea typeface="+mn-ea"/>
-                <a:cs typeface="+mn-cs"/>
-              </a:defRPr>
-            </a:lvl3pPr>
-            <a:lvl4pPr marL="1600200" indent="-228600" algn="l" defTabSz="914400" rtl="0" eaLnBrk="1" latinLnBrk="0" hangingPunct="1">
-              <a:lnSpc>
-                <a:spcPct val="90000"/>
-              </a:lnSpc>
-              <a:spcBef>
-                <a:spcPts val="500"/>
-              </a:spcBef>
-              <a:buFont typeface="Arial" panose="020B0604020202020204" pitchFamily="34" charset="0"/>
-              <a:buChar char="•"/>
-              <a:defRPr sz="1800" kern="1200">
-                <a:solidFill>
-                  <a:schemeClr val="lt1"/>
-                </a:solidFill>
-                <a:latin typeface="+mn-lt"/>
-                <a:ea typeface="+mn-ea"/>
-                <a:cs typeface="+mn-cs"/>
-              </a:defRPr>
-            </a:lvl4pPr>
-            <a:lvl5pPr marL="2057400" indent="-228600" algn="l" defTabSz="914400" rtl="0" eaLnBrk="1" latinLnBrk="0" hangingPunct="1">
-              <a:lnSpc>
-                <a:spcPct val="90000"/>
-              </a:lnSpc>
-              <a:spcBef>
-                <a:spcPts val="500"/>
-              </a:spcBef>
-              <a:buFont typeface="Arial" panose="020B0604020202020204" pitchFamily="34" charset="0"/>
-              <a:buChar char="•"/>
-              <a:defRPr sz="1800" kern="1200">
-                <a:solidFill>
-                  <a:schemeClr val="lt1"/>
-                </a:solidFill>
-                <a:latin typeface="+mn-lt"/>
-                <a:ea typeface="+mn-ea"/>
-                <a:cs typeface="+mn-cs"/>
-              </a:defRPr>
-            </a:lvl5pPr>
-            <a:lvl6pPr marL="2514600" indent="-228600" algn="l" defTabSz="914400" rtl="0" eaLnBrk="1" latinLnBrk="0" hangingPunct="1">
-              <a:lnSpc>
-                <a:spcPct val="90000"/>
-              </a:lnSpc>
-              <a:spcBef>
-                <a:spcPts val="500"/>
-              </a:spcBef>
-              <a:buFont typeface="Arial" panose="020B0604020202020204" pitchFamily="34" charset="0"/>
-              <a:buChar char="•"/>
-              <a:defRPr sz="1800" kern="1200">
-                <a:solidFill>
-                  <a:schemeClr val="lt1"/>
-                </a:solidFill>
-                <a:latin typeface="+mn-lt"/>
-                <a:ea typeface="+mn-ea"/>
-                <a:cs typeface="+mn-cs"/>
-              </a:defRPr>
-            </a:lvl6pPr>
-            <a:lvl7pPr marL="2971800" indent="-228600" algn="l" defTabSz="914400" rtl="0" eaLnBrk="1" latinLnBrk="0" hangingPunct="1">
-              <a:lnSpc>
-                <a:spcPct val="90000"/>
-              </a:lnSpc>
-              <a:spcBef>
-                <a:spcPts val="500"/>
-              </a:spcBef>
-              <a:buFont typeface="Arial" panose="020B0604020202020204" pitchFamily="34" charset="0"/>
-              <a:buChar char="•"/>
-              <a:defRPr sz="1800" kern="1200">
-                <a:solidFill>
-                  <a:schemeClr val="lt1"/>
-                </a:solidFill>
-                <a:latin typeface="+mn-lt"/>
-                <a:ea typeface="+mn-ea"/>
-                <a:cs typeface="+mn-cs"/>
-              </a:defRPr>
-            </a:lvl7pPr>
-            <a:lvl8pPr marL="3429000" indent="-228600" algn="l" defTabSz="914400" rtl="0" eaLnBrk="1" latinLnBrk="0" hangingPunct="1">
-              <a:lnSpc>
-                <a:spcPct val="90000"/>
-              </a:lnSpc>
-              <a:spcBef>
-                <a:spcPts val="500"/>
-              </a:spcBef>
-              <a:buFont typeface="Arial" panose="020B0604020202020204" pitchFamily="34" charset="0"/>
-              <a:buChar char="•"/>
-              <a:defRPr sz="1800" kern="1200">
-                <a:solidFill>
-                  <a:schemeClr val="lt1"/>
-                </a:solidFill>
-                <a:latin typeface="+mn-lt"/>
-                <a:ea typeface="+mn-ea"/>
-                <a:cs typeface="+mn-cs"/>
-              </a:defRPr>
-            </a:lvl8pPr>
-            <a:lvl9pPr marL="3886200" indent="-228600" algn="l" defTabSz="914400" rtl="0" eaLnBrk="1" latinLnBrk="0" hangingPunct="1">
-              <a:lnSpc>
-                <a:spcPct val="90000"/>
-              </a:lnSpc>
-              <a:spcBef>
-                <a:spcPts val="500"/>
-              </a:spcBef>
-              <a:buFont typeface="Arial" panose="020B0604020202020204" pitchFamily="34" charset="0"/>
-              <a:buChar char="•"/>
-              <a:defRPr sz="1800" kern="1200">
-                <a:solidFill>
-                  <a:schemeClr val="lt1"/>
-                </a:solidFill>
-                <a:latin typeface="+mn-lt"/>
-                <a:ea typeface="+mn-ea"/>
-                <a:cs typeface="+mn-cs"/>
-              </a:defRPr>
-            </a:lvl9pPr>
-          </a:lstStyle>
-          <a:p>
-            <a:pPr marL="0" indent="0" algn="ctr">
-              <a:buFont typeface="Arial" panose="020B0604020202020204" pitchFamily="34" charset="0"/>
-              <a:buNone/>
-            </a:pPr>
-            <a:r>
-              <a:rPr lang="en-US" dirty="0">
-                <a:solidFill>
-                  <a:srgbClr val="0070C0"/>
-                </a:solidFill>
-              </a:rPr>
               <a:t>AMD SEV-SNP</a:t>
             </a:r>
           </a:p>
@@ -15187,8 +14964,8 @@
         </p:nvCxnSpPr>
         <p:spPr>
           <a:xfrm flipV="1">
-            <a:off x="7753350" y="2381719"/>
-            <a:ext cx="2000250" cy="380062"/>
+            <a:off x="7753350" y="2685581"/>
+            <a:ext cx="2004060" cy="76200"/>
           </a:xfrm>
           <a:prstGeom prst="straightConnector1">
             <a:avLst/>
@@ -15236,7 +15013,7 @@
         <p:spPr>
           <a:xfrm>
             <a:off x="7753350" y="2761781"/>
-            <a:ext cx="2000250" cy="186910"/>
+            <a:ext cx="2004060" cy="490772"/>
           </a:xfrm>
           <a:prstGeom prst="straightConnector1">
             <a:avLst/>
@@ -15284,7 +15061,7 @@
         <p:spPr>
           <a:xfrm>
             <a:off x="7753350" y="2761781"/>
-            <a:ext cx="2000250" cy="753882"/>
+            <a:ext cx="2004060" cy="1057744"/>
           </a:xfrm>
           <a:prstGeom prst="straightConnector1">
             <a:avLst/>
@@ -15332,7 +15109,7 @@
         <p:spPr>
           <a:xfrm>
             <a:off x="7710055" y="3467569"/>
-            <a:ext cx="2043545" cy="615066"/>
+            <a:ext cx="2047355" cy="918928"/>
           </a:xfrm>
           <a:prstGeom prst="straightConnector1">
             <a:avLst/>
@@ -15378,57 +15155,9 @@
           <p:nvPr/>
         </p:nvCxnSpPr>
         <p:spPr>
-          <a:xfrm flipV="1">
-            <a:off x="7710055" y="4082635"/>
-            <a:ext cx="2043545" cy="93295"/>
-          </a:xfrm>
-          <a:prstGeom prst="straightConnector1">
-            <a:avLst/>
-          </a:prstGeom>
-          <a:ln w="41275">
-            <a:solidFill>
-              <a:schemeClr val="bg1">
-                <a:lumMod val="50000"/>
-              </a:schemeClr>
-            </a:solidFill>
-            <a:tailEnd type="triangle"/>
-          </a:ln>
-        </p:spPr>
-        <p:style>
-          <a:lnRef idx="1">
-            <a:schemeClr val="accent1"/>
-          </a:lnRef>
-          <a:fillRef idx="0">
-            <a:schemeClr val="accent1"/>
-          </a:fillRef>
-          <a:effectRef idx="0">
-            <a:schemeClr val="accent1"/>
-          </a:effectRef>
-          <a:fontRef idx="minor">
-            <a:schemeClr val="tx1"/>
-          </a:fontRef>
-        </p:style>
-      </p:cxnSp>
-      <p:cxnSp>
-        <p:nvCxnSpPr>
-          <p:cNvPr id="122" name="Straight Arrow Connector 121">
-            <a:extLst>
-              <a:ext uri="{FF2B5EF4-FFF2-40B4-BE49-F238E27FC236}">
-                <a16:creationId xmlns:a16="http://schemas.microsoft.com/office/drawing/2014/main" id="{52FC6792-02CD-755D-B883-6F8597C8B33C}"/>
-              </a:ext>
-            </a:extLst>
-          </p:cNvPr>
-          <p:cNvCxnSpPr>
-            <a:cxnSpLocks/>
-            <a:stCxn id="8" idx="3"/>
-            <a:endCxn id="97" idx="1"/>
-          </p:cNvCxnSpPr>
-          <p:nvPr/>
-        </p:nvCxnSpPr>
-        <p:spPr>
           <a:xfrm>
             <a:off x="7710055" y="4175930"/>
-            <a:ext cx="2043545" cy="473677"/>
+            <a:ext cx="2047355" cy="210567"/>
           </a:xfrm>
           <a:prstGeom prst="straightConnector1">
             <a:avLst/>
@@ -15476,7 +15205,7 @@
         <p:spPr>
           <a:xfrm>
             <a:off x="7710055" y="4175930"/>
-            <a:ext cx="2043545" cy="1040647"/>
+            <a:ext cx="2043545" cy="777539"/>
           </a:xfrm>
           <a:prstGeom prst="straightConnector1">
             <a:avLst/>
@@ -15523,8 +15252,8 @@
         </p:nvCxnSpPr>
         <p:spPr>
           <a:xfrm flipV="1">
-            <a:off x="7696200" y="2948691"/>
-            <a:ext cx="2057400" cy="1913039"/>
+            <a:off x="7696200" y="3252553"/>
+            <a:ext cx="2061210" cy="1609177"/>
           </a:xfrm>
           <a:prstGeom prst="straightConnector1">
             <a:avLst/>
@@ -15572,8 +15301,8 @@
         </p:nvCxnSpPr>
         <p:spPr>
           <a:xfrm flipV="1">
-            <a:off x="7696200" y="3515663"/>
-            <a:ext cx="2057400" cy="1346067"/>
+            <a:off x="7696200" y="3819525"/>
+            <a:ext cx="2061210" cy="1042205"/>
           </a:xfrm>
           <a:prstGeom prst="straightConnector1">
             <a:avLst/>
@@ -15621,8 +15350,8 @@
         </p:nvCxnSpPr>
         <p:spPr>
           <a:xfrm flipV="1">
-            <a:off x="7696200" y="4082635"/>
-            <a:ext cx="2057400" cy="779095"/>
+            <a:off x="7696200" y="4386497"/>
+            <a:ext cx="2061210" cy="475233"/>
           </a:xfrm>
           <a:prstGeom prst="straightConnector1">
             <a:avLst/>
@@ -15671,7 +15400,7 @@
         <p:spPr>
           <a:xfrm>
             <a:off x="7696200" y="4861730"/>
-            <a:ext cx="2057400" cy="354847"/>
+            <a:ext cx="2057400" cy="91739"/>
           </a:xfrm>
           <a:prstGeom prst="straightConnector1">
             <a:avLst/>
@@ -15740,7 +15469,7 @@
         </p:style>
         <p:txBody>
           <a:bodyPr vert="horz" lIns="91440" tIns="45720" rIns="91440" bIns="45720" rtlCol="0" anchor="ctr">
-            <a:normAutofit/>
+            <a:normAutofit fontScale="77500" lnSpcReduction="20000"/>
           </a:bodyPr>
           <a:lstStyle>
             <a:lvl1pPr algn="l" defTabSz="914400" rtl="0" eaLnBrk="1" latinLnBrk="0" hangingPunct="1">
@@ -15845,7 +15574,7 @@
             <a:pPr algn="ctr"/>
             <a:r>
               <a:rPr lang="en-US" sz="3600" b="1" dirty="0"/>
-              <a:t>CPU Support</a:t>
+              <a:t>Example CPUs Claiming Support</a:t>
             </a:r>
           </a:p>
         </p:txBody>

--- a/terminology/Image-Source.pptx
+++ b/terminology/Image-Source.pptx
@@ -206,7 +206,7 @@
           <a:p>
             <a:fld id="{BEB2A2CE-FF9D-4999-808F-9409E590A58C}" type="datetimeFigureOut">
               <a:rPr lang="en-US" smtClean="0"/>
-              <a:t>8/26/2022</a:t>
+              <a:t>10/5/2022</a:t>
             </a:fld>
             <a:endParaRPr lang="en-US"/>
           </a:p>
@@ -620,7 +620,7 @@
           <a:p>
             <a:fld id="{7711E8AF-76FE-406B-93C1-ACC48771439D}" type="datetimeFigureOut">
               <a:rPr lang="en-US" smtClean="0"/>
-              <a:t>8/26/2022</a:t>
+              <a:t>10/5/2022</a:t>
             </a:fld>
             <a:endParaRPr lang="en-US"/>
           </a:p>
@@ -818,7 +818,7 @@
           <a:p>
             <a:fld id="{7711E8AF-76FE-406B-93C1-ACC48771439D}" type="datetimeFigureOut">
               <a:rPr lang="en-US" smtClean="0"/>
-              <a:t>8/26/2022</a:t>
+              <a:t>10/5/2022</a:t>
             </a:fld>
             <a:endParaRPr lang="en-US"/>
           </a:p>
@@ -1026,7 +1026,7 @@
           <a:p>
             <a:fld id="{7711E8AF-76FE-406B-93C1-ACC48771439D}" type="datetimeFigureOut">
               <a:rPr lang="en-US" smtClean="0"/>
-              <a:t>8/26/2022</a:t>
+              <a:t>10/5/2022</a:t>
             </a:fld>
             <a:endParaRPr lang="en-US"/>
           </a:p>
@@ -1224,7 +1224,7 @@
           <a:p>
             <a:fld id="{7711E8AF-76FE-406B-93C1-ACC48771439D}" type="datetimeFigureOut">
               <a:rPr lang="en-US" smtClean="0"/>
-              <a:t>8/26/2022</a:t>
+              <a:t>10/5/2022</a:t>
             </a:fld>
             <a:endParaRPr lang="en-US"/>
           </a:p>
@@ -1499,7 +1499,7 @@
           <a:p>
             <a:fld id="{7711E8AF-76FE-406B-93C1-ACC48771439D}" type="datetimeFigureOut">
               <a:rPr lang="en-US" smtClean="0"/>
-              <a:t>8/26/2022</a:t>
+              <a:t>10/5/2022</a:t>
             </a:fld>
             <a:endParaRPr lang="en-US"/>
           </a:p>
@@ -1764,7 +1764,7 @@
           <a:p>
             <a:fld id="{7711E8AF-76FE-406B-93C1-ACC48771439D}" type="datetimeFigureOut">
               <a:rPr lang="en-US" smtClean="0"/>
-              <a:t>8/26/2022</a:t>
+              <a:t>10/5/2022</a:t>
             </a:fld>
             <a:endParaRPr lang="en-US"/>
           </a:p>
@@ -2176,7 +2176,7 @@
           <a:p>
             <a:fld id="{7711E8AF-76FE-406B-93C1-ACC48771439D}" type="datetimeFigureOut">
               <a:rPr lang="en-US" smtClean="0"/>
-              <a:t>8/26/2022</a:t>
+              <a:t>10/5/2022</a:t>
             </a:fld>
             <a:endParaRPr lang="en-US"/>
           </a:p>
@@ -2317,7 +2317,7 @@
           <a:p>
             <a:fld id="{7711E8AF-76FE-406B-93C1-ACC48771439D}" type="datetimeFigureOut">
               <a:rPr lang="en-US" smtClean="0"/>
-              <a:t>8/26/2022</a:t>
+              <a:t>10/5/2022</a:t>
             </a:fld>
             <a:endParaRPr lang="en-US"/>
           </a:p>
@@ -2430,7 +2430,7 @@
           <a:p>
             <a:fld id="{7711E8AF-76FE-406B-93C1-ACC48771439D}" type="datetimeFigureOut">
               <a:rPr lang="en-US" smtClean="0"/>
-              <a:t>8/26/2022</a:t>
+              <a:t>10/5/2022</a:t>
             </a:fld>
             <a:endParaRPr lang="en-US"/>
           </a:p>
@@ -2741,7 +2741,7 @@
           <a:p>
             <a:fld id="{7711E8AF-76FE-406B-93C1-ACC48771439D}" type="datetimeFigureOut">
               <a:rPr lang="en-US" smtClean="0"/>
-              <a:t>8/26/2022</a:t>
+              <a:t>10/5/2022</a:t>
             </a:fld>
             <a:endParaRPr lang="en-US"/>
           </a:p>
@@ -3029,7 +3029,7 @@
           <a:p>
             <a:fld id="{7711E8AF-76FE-406B-93C1-ACC48771439D}" type="datetimeFigureOut">
               <a:rPr lang="en-US" smtClean="0"/>
-              <a:t>8/26/2022</a:t>
+              <a:t>10/5/2022</a:t>
             </a:fld>
             <a:endParaRPr lang="en-US"/>
           </a:p>
@@ -3270,7 +3270,7 @@
           <a:p>
             <a:fld id="{7711E8AF-76FE-406B-93C1-ACC48771439D}" type="datetimeFigureOut">
               <a:rPr lang="en-US" smtClean="0"/>
-              <a:t>8/26/2022</a:t>
+              <a:t>10/5/2022</a:t>
             </a:fld>
             <a:endParaRPr lang="en-US"/>
           </a:p>
@@ -5709,162 +5709,6 @@
       </p:sp>
       <p:sp>
         <p:nvSpPr>
-          <p:cNvPr id="49" name="TextBox 48">
-            <a:extLst>
-              <a:ext uri="{FF2B5EF4-FFF2-40B4-BE49-F238E27FC236}">
-                <a16:creationId xmlns:a16="http://schemas.microsoft.com/office/drawing/2014/main" id="{DD14FC25-FE13-A357-74CA-0D49E9B774FD}"/>
-              </a:ext>
-            </a:extLst>
-          </p:cNvPr>
-          <p:cNvSpPr txBox="1">
-            <a:spLocks/>
-          </p:cNvSpPr>
-          <p:nvPr/>
-        </p:nvSpPr>
-        <p:spPr>
-          <a:xfrm>
-            <a:off x="5005837" y="1406416"/>
-            <a:ext cx="1935436" cy="577081"/>
-          </a:xfrm>
-          <a:prstGeom prst="rect">
-            <a:avLst/>
-          </a:prstGeom>
-          <a:solidFill>
-            <a:schemeClr val="dk1">
-              <a:alpha val="50000"/>
-            </a:schemeClr>
-          </a:solidFill>
-          <a:ln>
-            <a:noFill/>
-          </a:ln>
-        </p:spPr>
-        <p:style>
-          <a:lnRef idx="0">
-            <a:scrgbClr r="0" g="0" b="0"/>
-          </a:lnRef>
-          <a:fillRef idx="0">
-            <a:scrgbClr r="0" g="0" b="0"/>
-          </a:fillRef>
-          <a:effectRef idx="0">
-            <a:scrgbClr r="0" g="0" b="0"/>
-          </a:effectRef>
-          <a:fontRef idx="minor">
-            <a:schemeClr val="lt1"/>
-          </a:fontRef>
-        </p:style>
-        <p:txBody>
-          <a:bodyPr wrap="square" rtlCol="0">
-            <a:spAutoFit/>
-          </a:bodyPr>
-          <a:lstStyle/>
-          <a:p>
-            <a:pPr algn="ctr"/>
-            <a:r>
-              <a:rPr lang="en-US" sz="1050" dirty="0">
-                <a:solidFill>
-                  <a:schemeClr val="tx1"/>
-                </a:solidFill>
-              </a:rPr>
-              <a:t>Library </a:t>
-            </a:r>
-          </a:p>
-          <a:p>
-            <a:pPr algn="ctr"/>
-            <a:r>
-              <a:rPr lang="en-US" sz="1050" dirty="0">
-                <a:solidFill>
-                  <a:schemeClr val="tx1"/>
-                </a:solidFill>
-              </a:rPr>
-              <a:t>Process</a:t>
-            </a:r>
-          </a:p>
-          <a:p>
-            <a:pPr algn="ctr"/>
-            <a:r>
-              <a:rPr lang="en-US" sz="1050" dirty="0">
-                <a:solidFill>
-                  <a:schemeClr val="tx1"/>
-                </a:solidFill>
-              </a:rPr>
-              <a:t>Container</a:t>
-            </a:r>
-          </a:p>
-        </p:txBody>
-      </p:sp>
-      <p:sp>
-        <p:nvSpPr>
-          <p:cNvPr id="51" name="TextBox 50">
-            <a:extLst>
-              <a:ext uri="{FF2B5EF4-FFF2-40B4-BE49-F238E27FC236}">
-                <a16:creationId xmlns:a16="http://schemas.microsoft.com/office/drawing/2014/main" id="{76C7E0D5-0B24-6B48-53C1-1342EF16551E}"/>
-              </a:ext>
-            </a:extLst>
-          </p:cNvPr>
-          <p:cNvSpPr txBox="1">
-            <a:spLocks/>
-          </p:cNvSpPr>
-          <p:nvPr/>
-        </p:nvSpPr>
-        <p:spPr>
-          <a:xfrm>
-            <a:off x="1762273" y="1408997"/>
-            <a:ext cx="869361" cy="415498"/>
-          </a:xfrm>
-          <a:prstGeom prst="rect">
-            <a:avLst/>
-          </a:prstGeom>
-          <a:solidFill>
-            <a:schemeClr val="dk1">
-              <a:alpha val="50000"/>
-            </a:schemeClr>
-          </a:solidFill>
-          <a:ln>
-            <a:noFill/>
-          </a:ln>
-        </p:spPr>
-        <p:style>
-          <a:lnRef idx="0">
-            <a:scrgbClr r="0" g="0" b="0"/>
-          </a:lnRef>
-          <a:fillRef idx="0">
-            <a:scrgbClr r="0" g="0" b="0"/>
-          </a:fillRef>
-          <a:effectRef idx="0">
-            <a:scrgbClr r="0" g="0" b="0"/>
-          </a:effectRef>
-          <a:fontRef idx="minor">
-            <a:schemeClr val="lt1"/>
-          </a:fontRef>
-        </p:style>
-        <p:txBody>
-          <a:bodyPr wrap="square" rtlCol="0">
-            <a:spAutoFit/>
-          </a:bodyPr>
-          <a:lstStyle/>
-          <a:p>
-            <a:pPr algn="ctr"/>
-            <a:r>
-              <a:rPr lang="en-US" sz="1050" dirty="0">
-                <a:solidFill>
-                  <a:schemeClr val="tx1"/>
-                </a:solidFill>
-              </a:rPr>
-              <a:t>Library</a:t>
-            </a:r>
-          </a:p>
-          <a:p>
-            <a:pPr algn="ctr"/>
-            <a:endParaRPr lang="en-US" sz="1050" dirty="0">
-              <a:solidFill>
-                <a:schemeClr val="tx1"/>
-              </a:solidFill>
-            </a:endParaRPr>
-          </a:p>
-        </p:txBody>
-      </p:sp>
-      <p:sp>
-        <p:nvSpPr>
           <p:cNvPr id="61" name="TextBox 60">
             <a:extLst>
               <a:ext uri="{FF2B5EF4-FFF2-40B4-BE49-F238E27FC236}">
@@ -5984,7 +5828,22 @@
                   <a:schemeClr val="tx1"/>
                 </a:solidFill>
               </a:rPr>
-              <a:t>Process on Separation Kernel</a:t>
+              <a:t>Process on Separate</a:t>
+            </a:r>
+            <a:br>
+              <a:rPr lang="en-US" sz="1050" dirty="0">
+                <a:solidFill>
+                  <a:schemeClr val="tx1"/>
+                </a:solidFill>
+              </a:rPr>
+            </a:br>
+            <a:r>
+              <a:rPr lang="en-US" sz="1050" dirty="0">
+                <a:solidFill>
+                  <a:schemeClr val="tx1"/>
+                </a:solidFill>
+              </a:rPr>
+              <a:t>Kernel</a:t>
             </a:r>
           </a:p>
         </p:txBody>
@@ -10898,7 +10757,7 @@
                     <a:schemeClr val="tx1"/>
                   </a:solidFill>
                 </a:rPr>
-                <a:t>Process on Separation Kernel</a:t>
+                <a:t>Process on Separate Kernel</a:t>
               </a:r>
             </a:p>
           </p:txBody>
@@ -12351,6 +12210,132 @@
           <a:p>
             <a:pPr algn="ctr"/>
             <a:endParaRPr lang="en-US"/>
+          </a:p>
+        </p:txBody>
+      </p:sp>
+      <p:sp>
+        <p:nvSpPr>
+          <p:cNvPr id="6" name="TextBox 5">
+            <a:extLst>
+              <a:ext uri="{FF2B5EF4-FFF2-40B4-BE49-F238E27FC236}">
+                <a16:creationId xmlns:a16="http://schemas.microsoft.com/office/drawing/2014/main" id="{4442CBD7-4CFF-FA5E-BB75-B0E1229FB523}"/>
+              </a:ext>
+            </a:extLst>
+          </p:cNvPr>
+          <p:cNvSpPr txBox="1">
+            <a:spLocks/>
+          </p:cNvSpPr>
+          <p:nvPr/>
+        </p:nvSpPr>
+        <p:spPr>
+          <a:xfrm>
+            <a:off x="5019833" y="1408997"/>
+            <a:ext cx="1921440" cy="253916"/>
+          </a:xfrm>
+          <a:prstGeom prst="rect">
+            <a:avLst/>
+          </a:prstGeom>
+          <a:solidFill>
+            <a:schemeClr val="dk1">
+              <a:alpha val="50000"/>
+            </a:schemeClr>
+          </a:solidFill>
+          <a:ln>
+            <a:noFill/>
+          </a:ln>
+        </p:spPr>
+        <p:style>
+          <a:lnRef idx="0">
+            <a:scrgbClr r="0" g="0" b="0"/>
+          </a:lnRef>
+          <a:fillRef idx="0">
+            <a:scrgbClr r="0" g="0" b="0"/>
+          </a:fillRef>
+          <a:effectRef idx="0">
+            <a:scrgbClr r="0" g="0" b="0"/>
+          </a:effectRef>
+          <a:fontRef idx="minor">
+            <a:schemeClr val="lt1"/>
+          </a:fontRef>
+        </p:style>
+        <p:txBody>
+          <a:bodyPr wrap="square" rtlCol="0">
+            <a:spAutoFit/>
+          </a:bodyPr>
+          <a:lstStyle/>
+          <a:p>
+            <a:pPr algn="ctr"/>
+            <a:r>
+              <a:rPr lang="en-US" sz="1050" dirty="0">
+                <a:solidFill>
+                  <a:schemeClr val="tx1"/>
+                </a:solidFill>
+              </a:rPr>
+              <a:t> Library</a:t>
+            </a:r>
+          </a:p>
+        </p:txBody>
+      </p:sp>
+      <p:sp>
+        <p:nvSpPr>
+          <p:cNvPr id="8" name="TextBox 7">
+            <a:extLst>
+              <a:ext uri="{FF2B5EF4-FFF2-40B4-BE49-F238E27FC236}">
+                <a16:creationId xmlns:a16="http://schemas.microsoft.com/office/drawing/2014/main" id="{0717507A-B766-D554-BA87-662CBDC2ABF9}"/>
+              </a:ext>
+            </a:extLst>
+          </p:cNvPr>
+          <p:cNvSpPr txBox="1">
+            <a:spLocks/>
+          </p:cNvSpPr>
+          <p:nvPr/>
+        </p:nvSpPr>
+        <p:spPr>
+          <a:xfrm>
+            <a:off x="1749338" y="1401045"/>
+            <a:ext cx="879034" cy="253916"/>
+          </a:xfrm>
+          <a:prstGeom prst="rect">
+            <a:avLst/>
+          </a:prstGeom>
+          <a:solidFill>
+            <a:schemeClr val="dk1">
+              <a:alpha val="50000"/>
+            </a:schemeClr>
+          </a:solidFill>
+          <a:ln>
+            <a:noFill/>
+          </a:ln>
+        </p:spPr>
+        <p:style>
+          <a:lnRef idx="0">
+            <a:scrgbClr r="0" g="0" b="0"/>
+          </a:lnRef>
+          <a:fillRef idx="0">
+            <a:scrgbClr r="0" g="0" b="0"/>
+          </a:fillRef>
+          <a:effectRef idx="0">
+            <a:scrgbClr r="0" g="0" b="0"/>
+          </a:effectRef>
+          <a:fontRef idx="minor">
+            <a:schemeClr val="lt1"/>
+          </a:fontRef>
+        </p:style>
+        <p:txBody>
+          <a:bodyPr wrap="square" rtlCol="0">
+            <a:spAutoFit/>
+          </a:bodyPr>
+          <a:lstStyle/>
+          <a:p>
+            <a:pPr algn="ctr"/>
+            <a:r>
+              <a:rPr lang="en-US" sz="1050" dirty="0">
+                <a:solidFill>
+                  <a:schemeClr val="tx1"/>
+                </a:solidFill>
+              </a:rPr>
+              <a:t> Library</a:t>
+            </a:r>
           </a:p>
         </p:txBody>
       </p:sp>
